--- a/Presentation.Moshiour Rahman Prince.pptx
+++ b/Presentation.Moshiour Rahman Prince.pptx
@@ -279,6 +279,11 @@
       </a:defRPr>
     </a:lvl9pPr>
   </p:defaultTextStyle>
+  <p:extLst>
+    <p:ext uri="{EFAFB233-063F-42B5-8137-9DF3F51BA10A}">
+      <p15:sldGuideLst xmlns:p15="http://schemas.microsoft.com/office/powerpoint/2012/main"/>
+    </p:ext>
+  </p:extLst>
 </p:presentation>
 </file>
 
@@ -9707,7 +9712,7 @@
           <a:lstStyle/>
           <a:p>
             <a:r>
-              <a:rPr lang="en-DE" sz="4000" b="1" dirty="0">
+              <a:rPr lang="en-DE" sz="4000" b="1">
                 <a:solidFill>
                   <a:schemeClr val="accent4">
                     <a:lumMod val="50000"/>
@@ -9715,8 +9720,16 @@
                 </a:solidFill>
                 <a:latin typeface="+mj-lt"/>
               </a:rPr>
-              <a:t>Concept</a:t>
+              <a:t>Concep</a:t>
             </a:r>
+            <a:endParaRPr lang="en-DE" sz="4000" b="1" dirty="0">
+              <a:solidFill>
+                <a:schemeClr val="accent4">
+                  <a:lumMod val="50000"/>
+                </a:schemeClr>
+              </a:solidFill>
+              <a:latin typeface="+mj-lt"/>
+            </a:endParaRPr>
           </a:p>
         </p:txBody>
       </p:sp>

--- a/Presentation.Moshiour Rahman Prince.pptx
+++ b/Presentation.Moshiour Rahman Prince.pptx
@@ -9720,7 +9720,7 @@
                 </a:solidFill>
                 <a:latin typeface="+mj-lt"/>
               </a:rPr>
-              <a:t>Concep</a:t>
+              <a:t>Concept</a:t>
             </a:r>
             <a:endParaRPr lang="en-DE" sz="4000" b="1" dirty="0">
               <a:solidFill>
